--- a/Lec9/Lec9.pptx
+++ b/Lec9/Lec9.pptx
@@ -5,15 +5,21 @@
     <p:sldMasterId id="2147483648" r:id="rId1"/>
   </p:sldMasterIdLst>
   <p:notesMasterIdLst>
-    <p:notesMasterId r:id="rId5"/>
+    <p:notesMasterId r:id="rId11"/>
   </p:notesMasterIdLst>
   <p:handoutMasterIdLst>
-    <p:handoutMasterId r:id="rId6"/>
+    <p:handoutMasterId r:id="rId12"/>
   </p:handoutMasterIdLst>
   <p:sldIdLst>
     <p:sldId id="414" r:id="rId2"/>
     <p:sldId id="911" r:id="rId3"/>
-    <p:sldId id="912" r:id="rId4"/>
+    <p:sldId id="913" r:id="rId4"/>
+    <p:sldId id="915" r:id="rId5"/>
+    <p:sldId id="916" r:id="rId6"/>
+    <p:sldId id="914" r:id="rId7"/>
+    <p:sldId id="917" r:id="rId8"/>
+    <p:sldId id="918" r:id="rId9"/>
+    <p:sldId id="919" r:id="rId10"/>
   </p:sldIdLst>
   <p:sldSz cx="12192000" cy="6858000"/>
   <p:notesSz cx="6858000" cy="9144000"/>
@@ -217,7 +223,7 @@
           <a:p>
             <a:fld id="{36B64484-7F23-844A-BCEB-06DFAD827E32}" type="datetimeFigureOut">
               <a:rPr lang="en-US" smtClean="0"/>
-              <a:t>2/7/22</a:t>
+              <a:t>2/8/22</a:t>
             </a:fld>
             <a:endParaRPr lang="en-US"/>
           </a:p>
@@ -394,7 +400,7 @@
           <a:p>
             <a:fld id="{4EBE11B0-21E1-9842-BB37-72784894B0AB}" type="datetimeFigureOut">
               <a:rPr lang="en-US" smtClean="0"/>
-              <a:t>2/7/22</a:t>
+              <a:t>2/8/22</a:t>
             </a:fld>
             <a:endParaRPr lang="en-US"/>
           </a:p>
@@ -3795,7 +3801,7 @@
           </a:ln>
           <a:extLst>
             <a:ext uri="{C572A759-6A51-4108-AA02-DFA0A04FC94B}">
-              <ma14:wrappingTextBoxFlag xmlns="" xmlns:ma14="http://schemas.microsoft.com/office/mac/drawingml/2011/main" val="1"/>
+              <ma14:wrappingTextBoxFlag xmlns:ma14="http://schemas.microsoft.com/office/mac/drawingml/2011/main" xmlns="" val="1"/>
             </a:ext>
           </a:extLst>
         </p:spPr>
@@ -3975,6 +3981,26 @@
           <a:p>
             <a:r>
               <a:rPr lang="en-US" dirty="0"/>
+              <a:t>Roadmap</a:t>
+            </a:r>
+          </a:p>
+          <a:p>
+            <a:pPr lvl="1"/>
+            <a:r>
+              <a:rPr lang="en-US" dirty="0"/>
+              <a:t>Where are we headed? </a:t>
+            </a:r>
+          </a:p>
+          <a:p>
+            <a:pPr lvl="1"/>
+            <a:r>
+              <a:rPr lang="en-US" dirty="0"/>
+              <a:t>Where all will we park – or breeze by?</a:t>
+            </a:r>
+          </a:p>
+          <a:p>
+            <a:r>
+              <a:rPr lang="en-US" dirty="0"/>
               <a:t>Model-Checking Overview</a:t>
             </a:r>
           </a:p>
@@ -3988,6 +4014,33 @@
               <a:t>Murphi</a:t>
             </a:r>
             <a:endParaRPr lang="en-US" dirty="0"/>
+          </a:p>
+          <a:p>
+            <a:endParaRPr lang="en-US" dirty="0"/>
+          </a:p>
+          <a:p>
+            <a:r>
+              <a:rPr lang="en-US" dirty="0"/>
+              <a:t>Anyone who wants to peek at what I did last year ?</a:t>
+            </a:r>
+          </a:p>
+          <a:p>
+            <a:pPr lvl="1"/>
+            <a:r>
+              <a:rPr lang="en-US" dirty="0" err="1"/>
+              <a:t>bit.ly</a:t>
+            </a:r>
+            <a:r>
+              <a:rPr lang="en-US" dirty="0"/>
+              <a:t>/CS6110S21</a:t>
+            </a:r>
+          </a:p>
+          <a:p>
+            <a:pPr lvl="1"/>
+            <a:r>
+              <a:rPr lang="en-US" dirty="0"/>
+              <a:t>I will largely follow that overall approach (except we are not rushing as much)</a:t>
+            </a:r>
           </a:p>
           <a:p>
             <a:endParaRPr lang="en-US" dirty="0"/>
@@ -4020,6 +4073,41 @@
               <a:t>2</a:t>
             </a:fld>
             <a:endParaRPr lang="en-US" dirty="0"/>
+          </a:p>
+        </p:txBody>
+      </p:sp>
+      <p:sp>
+        <p:nvSpPr>
+          <p:cNvPr id="6" name="TextBox 5">
+            <a:extLst>
+              <a:ext uri="{FF2B5EF4-FFF2-40B4-BE49-F238E27FC236}">
+                <a16:creationId xmlns:a16="http://schemas.microsoft.com/office/drawing/2014/main" id="{F4381D50-8115-0B47-AD3A-DADC20F34421}"/>
+              </a:ext>
+            </a:extLst>
+          </p:cNvPr>
+          <p:cNvSpPr txBox="1"/>
+          <p:nvPr/>
+        </p:nvSpPr>
+        <p:spPr>
+          <a:xfrm>
+            <a:off x="3048000" y="3247156"/>
+            <a:ext cx="6096000" cy="369332"/>
+          </a:xfrm>
+          <a:prstGeom prst="rect">
+            <a:avLst/>
+          </a:prstGeom>
+          <a:noFill/>
+        </p:spPr>
+        <p:txBody>
+          <a:bodyPr wrap="square">
+            <a:spAutoFit/>
+          </a:bodyPr>
+          <a:lstStyle/>
+          <a:p>
+            <a:r>
+              <a:rPr lang="en-US" dirty="0"/>
+              <a:t>git </a:t>
+            </a:r>
           </a:p>
         </p:txBody>
       </p:sp>
@@ -4077,10 +4165,9 @@
           <a:lstStyle/>
           <a:p>
             <a:r>
-              <a:rPr lang="en-US"/>
-              <a:t>m</a:t>
-            </a:r>
-            <a:endParaRPr lang="en-US" dirty="0"/>
+              <a:rPr lang="en-US" dirty="0"/>
+              <a:t>Roadmap of CS 6110 now on</a:t>
+            </a:r>
           </a:p>
         </p:txBody>
       </p:sp>
@@ -4102,183 +4189,131 @@
         </p:nvSpPr>
         <p:spPr>
           <a:xfrm>
-            <a:off x="838200" y="1277815"/>
-            <a:ext cx="10515600" cy="5310554"/>
+            <a:off x="838200" y="1362781"/>
+            <a:ext cx="10515600" cy="5252508"/>
           </a:xfrm>
         </p:spPr>
         <p:txBody>
           <a:bodyPr>
-            <a:normAutofit fontScale="62500" lnSpcReduction="20000"/>
+            <a:normAutofit lnSpcReduction="10000"/>
           </a:bodyPr>
           <a:lstStyle/>
           <a:p>
             <a:r>
               <a:rPr lang="en-US" dirty="0"/>
-              <a:t>Review of Logic</a:t>
+              <a:t>Basics</a:t>
             </a:r>
           </a:p>
           <a:p>
             <a:pPr lvl="1"/>
             <a:r>
               <a:rPr lang="en-US" dirty="0"/>
-              <a:t>Why review logic?</a:t>
+              <a:t>So far we got a refresher on basic Mathematical Logic and learned some LTL</a:t>
+            </a:r>
+          </a:p>
+          <a:p>
+            <a:pPr lvl="1"/>
+            <a:r>
+              <a:rPr lang="en-US" dirty="0"/>
+              <a:t>We then looked at some half-finished protocols</a:t>
             </a:r>
           </a:p>
           <a:p>
             <a:pPr lvl="2"/>
             <a:r>
               <a:rPr lang="en-US" dirty="0"/>
-              <a:t>Logic is the “calculus of computer science”</a:t>
+              <a:t>We did not question how they were designed</a:t>
+            </a:r>
+          </a:p>
+          <a:p>
+            <a:pPr lvl="3"/>
+            <a:r>
+              <a:rPr lang="en-US" dirty="0"/>
+              <a:t>“Seat of pants” which does not surprise us</a:t>
+            </a:r>
+          </a:p>
+          <a:p>
+            <a:pPr lvl="3"/>
+            <a:r>
+              <a:rPr lang="en-US" dirty="0"/>
+              <a:t>Think of it as a ”game” of sorts</a:t>
+            </a:r>
+          </a:p>
+          <a:p>
+            <a:pPr lvl="3"/>
+            <a:r>
+              <a:rPr lang="en-US" dirty="0"/>
+              <a:t>Games have rules and games can be model-checked…. So why not?</a:t>
+            </a:r>
+          </a:p>
+          <a:p>
+            <a:pPr lvl="3"/>
+            <a:r>
+              <a:rPr lang="en-US" dirty="0"/>
+              <a:t>Others may say (in more advanced practices) that </a:t>
+            </a:r>
+          </a:p>
+          <a:p>
+            <a:pPr lvl="3"/>
+            <a:r>
+              <a:rPr lang="en-US" dirty="0"/>
+              <a:t>We have an invariant in mind</a:t>
+            </a:r>
+          </a:p>
+          <a:p>
+            <a:pPr lvl="4"/>
+            <a:r>
+              <a:rPr lang="en-US" dirty="0"/>
+              <a:t>We don’t shy away from breaking it (when messages are in flight)</a:t>
+            </a:r>
+          </a:p>
+          <a:p>
+            <a:pPr lvl="4"/>
+            <a:r>
+              <a:rPr lang="en-US" dirty="0"/>
+              <a:t>We then restore them (when things settle)</a:t>
             </a:r>
           </a:p>
           <a:p>
             <a:pPr lvl="1"/>
             <a:r>
               <a:rPr lang="en-US" dirty="0"/>
-              <a:t>Why focus on propositional logic (Boolean Logic)?</a:t>
+              <a:t>It is possible to derive these protocols “top-down” [good project material]</a:t>
             </a:r>
           </a:p>
           <a:p>
             <a:pPr lvl="2"/>
             <a:r>
               <a:rPr lang="en-US" dirty="0"/>
-              <a:t>That is how most problems are modeled</a:t>
-            </a:r>
-          </a:p>
-          <a:p>
-            <a:pPr lvl="1"/>
-            <a:r>
-              <a:rPr lang="en-US" dirty="0"/>
-              <a:t>Why SAT?</a:t>
+              <a:t>E.g. specify it as a “more atomic” activity (steps “snap together” without gaps)</a:t>
             </a:r>
           </a:p>
           <a:p>
             <a:pPr lvl="2"/>
             <a:r>
               <a:rPr lang="en-US" dirty="0"/>
-              <a:t>This is one of the central problems in CS</a:t>
-            </a:r>
-          </a:p>
-          <a:p>
-            <a:pPr lvl="2"/>
-            <a:r>
-              <a:rPr lang="en-US" dirty="0"/>
-              <a:t>This is also one of the central success stories in verification</a:t>
-            </a:r>
-          </a:p>
-          <a:p>
-            <a:r>
-              <a:rPr lang="en-US" dirty="0" err="1"/>
-              <a:t>Tseitin</a:t>
-            </a:r>
-            <a:r>
-              <a:rPr lang="en-US" dirty="0"/>
-              <a:t> transformation, </a:t>
-            </a:r>
-            <a:r>
-              <a:rPr lang="en-US" dirty="0" err="1"/>
-              <a:t>equisat</a:t>
-            </a:r>
-            <a:r>
-              <a:rPr lang="en-US" dirty="0"/>
-              <a:t>, equivalence</a:t>
-            </a:r>
-          </a:p>
-          <a:p>
-            <a:pPr lvl="1"/>
-            <a:r>
-              <a:rPr lang="en-US" dirty="0"/>
-              <a:t>Help review notions coming in later chapters</a:t>
-            </a:r>
-          </a:p>
-          <a:p>
-            <a:pPr lvl="1"/>
-            <a:r>
-              <a:rPr lang="en-US" dirty="0"/>
-              <a:t>Helped us reinforce our readings of Bradley/Manna</a:t>
-            </a:r>
-          </a:p>
-          <a:p>
-            <a:pPr lvl="1"/>
-            <a:r>
-              <a:rPr lang="en-US" dirty="0" err="1"/>
-              <a:t>Tseitin</a:t>
-            </a:r>
-            <a:r>
-              <a:rPr lang="en-US" dirty="0"/>
-              <a:t> transformation is central to SMT – a core verification success story</a:t>
-            </a:r>
-          </a:p>
-          <a:p>
-            <a:r>
-              <a:rPr lang="en-US" dirty="0"/>
-              <a:t>CNF, DNF</a:t>
-            </a:r>
-          </a:p>
-          <a:p>
-            <a:pPr lvl="2"/>
-            <a:r>
-              <a:rPr lang="en-US" dirty="0"/>
-              <a:t>CNF preferred over DNF because of</a:t>
+              <a:t>Then coarsen these atomic steps into disjoint steps</a:t>
             </a:r>
           </a:p>
           <a:p>
             <a:pPr lvl="3"/>
             <a:r>
               <a:rPr lang="en-US" dirty="0"/>
-              <a:t>Size-explosion possible if constraints arising in modeling problems turned into DNF</a:t>
+              <a:t>To gain speed (e.g. in a pipelined processor)</a:t>
             </a:r>
           </a:p>
           <a:p>
             <a:pPr lvl="3"/>
             <a:r>
               <a:rPr lang="en-US" dirty="0"/>
-              <a:t>Naturalness of constraints modeled (thus, a majority of SAT-solvers are CNF-solvers)</a:t>
-            </a:r>
-          </a:p>
-          <a:p>
-            <a:r>
-              <a:rPr lang="en-US" dirty="0"/>
-              <a:t>BDDs and minimal DFA</a:t>
-            </a:r>
-          </a:p>
-          <a:p>
-            <a:pPr lvl="1"/>
-            <a:r>
-              <a:rPr lang="en-US" dirty="0"/>
-              <a:t>BDDs are canonical representations of Boolean functions</a:t>
-            </a:r>
-          </a:p>
-          <a:p>
-            <a:pPr lvl="1"/>
-            <a:r>
-              <a:rPr lang="en-US" dirty="0"/>
-              <a:t>We could visualize whether a formula is valid or satisfiable</a:t>
-            </a:r>
-          </a:p>
-          <a:p>
-            <a:r>
-              <a:rPr lang="en-US" dirty="0"/>
-              <a:t>Conversion of DNF to CNF via BDDs</a:t>
-            </a:r>
-          </a:p>
-          <a:p>
-            <a:pPr lvl="1"/>
-            <a:r>
-              <a:rPr lang="en-US" dirty="0"/>
-              <a:t>This was not </a:t>
-            </a:r>
-            <a:r>
-              <a:rPr lang="en-US" dirty="0" err="1"/>
-              <a:t>Tseitin</a:t>
-            </a:r>
-            <a:r>
-              <a:rPr lang="en-US" dirty="0"/>
-              <a:t> transformation … but involved tracing paths to the “0” node</a:t>
+              <a:t>That is how “reality works” (things are truly distributed and asynchronous, often)</a:t>
             </a:r>
           </a:p>
           <a:p>
             <a:pPr lvl="3"/>
+            <a:endParaRPr lang="en-US" dirty="0"/>
+          </a:p>
+          <a:p>
             <a:endParaRPr lang="en-US" dirty="0"/>
           </a:p>
           <a:p>
@@ -4291,7 +4326,7 @@
           <p:cNvPr id="4" name="Slide Number Placeholder 3">
             <a:extLst>
               <a:ext uri="{FF2B5EF4-FFF2-40B4-BE49-F238E27FC236}">
-                <a16:creationId xmlns:a16="http://schemas.microsoft.com/office/drawing/2014/main" id="{F24B2C79-E508-2144-A2C1-CEDB08EFD18D}"/>
+                <a16:creationId xmlns:a16="http://schemas.microsoft.com/office/drawing/2014/main" id="{28FCE84C-DF3B-E64B-A9AD-834651416724}"/>
               </a:ext>
             </a:extLst>
           </p:cNvPr>
@@ -4318,7 +4353,1443 @@
     </p:spTree>
     <p:extLst>
       <p:ext uri="{BB962C8B-B14F-4D97-AF65-F5344CB8AC3E}">
-        <p14:creationId xmlns:p14="http://schemas.microsoft.com/office/powerpoint/2010/main" val="3890758718"/>
+        <p14:creationId xmlns:p14="http://schemas.microsoft.com/office/powerpoint/2010/main" val="1631275118"/>
+      </p:ext>
+    </p:extLst>
+  </p:cSld>
+  <p:clrMapOvr>
+    <a:masterClrMapping/>
+  </p:clrMapOvr>
+</p:sld>
+</file>
+
+<file path=ppt/slides/slide4.xml><?xml version="1.0" encoding="utf-8"?>
+<p:sld xmlns:a="http://schemas.openxmlformats.org/drawingml/2006/main" xmlns:r="http://schemas.openxmlformats.org/officeDocument/2006/relationships" xmlns:p="http://schemas.openxmlformats.org/presentationml/2006/main">
+  <p:cSld>
+    <p:spTree>
+      <p:nvGrpSpPr>
+        <p:cNvPr id="1" name=""/>
+        <p:cNvGrpSpPr/>
+        <p:nvPr/>
+      </p:nvGrpSpPr>
+      <p:grpSpPr>
+        <a:xfrm>
+          <a:off x="0" y="0"/>
+          <a:ext cx="0" cy="0"/>
+          <a:chOff x="0" y="0"/>
+          <a:chExt cx="0" cy="0"/>
+        </a:xfrm>
+      </p:grpSpPr>
+      <p:sp>
+        <p:nvSpPr>
+          <p:cNvPr id="2" name="Title 1">
+            <a:extLst>
+              <a:ext uri="{FF2B5EF4-FFF2-40B4-BE49-F238E27FC236}">
+                <a16:creationId xmlns:a16="http://schemas.microsoft.com/office/drawing/2014/main" id="{5F0AA67D-7131-5148-9114-C2984902C98E}"/>
+              </a:ext>
+            </a:extLst>
+          </p:cNvPr>
+          <p:cNvSpPr>
+            <a:spLocks noGrp="1"/>
+          </p:cNvSpPr>
+          <p:nvPr>
+            <p:ph type="title"/>
+          </p:nvPr>
+        </p:nvSpPr>
+        <p:spPr/>
+        <p:txBody>
+          <a:bodyPr>
+            <a:normAutofit fontScale="90000"/>
+          </a:bodyPr>
+          <a:lstStyle/>
+          <a:p>
+            <a:r>
+              <a:rPr lang="en-US" dirty="0"/>
+              <a:t>Roadmap of CS 6110 now on</a:t>
+            </a:r>
+          </a:p>
+        </p:txBody>
+      </p:sp>
+      <p:sp>
+        <p:nvSpPr>
+          <p:cNvPr id="3" name="Content Placeholder 2">
+            <a:extLst>
+              <a:ext uri="{FF2B5EF4-FFF2-40B4-BE49-F238E27FC236}">
+                <a16:creationId xmlns:a16="http://schemas.microsoft.com/office/drawing/2014/main" id="{A2101E50-87C3-AF43-BF15-B19D15CF087F}"/>
+              </a:ext>
+            </a:extLst>
+          </p:cNvPr>
+          <p:cNvSpPr>
+            <a:spLocks noGrp="1"/>
+          </p:cNvSpPr>
+          <p:nvPr>
+            <p:ph idx="1"/>
+          </p:nvPr>
+        </p:nvSpPr>
+        <p:spPr>
+          <a:xfrm>
+            <a:off x="838200" y="1362781"/>
+            <a:ext cx="10515600" cy="5252508"/>
+          </a:xfrm>
+        </p:spPr>
+        <p:txBody>
+          <a:bodyPr>
+            <a:normAutofit lnSpcReduction="10000"/>
+          </a:bodyPr>
+          <a:lstStyle/>
+          <a:p>
+            <a:r>
+              <a:rPr lang="en-US" dirty="0"/>
+              <a:t>Examples of atomic -&gt; multi-step</a:t>
+            </a:r>
+          </a:p>
+          <a:p>
+            <a:pPr lvl="1"/>
+            <a:r>
+              <a:rPr lang="en-US" dirty="0"/>
+              <a:t>Pipelined processors</a:t>
+            </a:r>
+          </a:p>
+          <a:p>
+            <a:pPr lvl="2"/>
+            <a:r>
+              <a:rPr lang="en-US" dirty="0"/>
+              <a:t>Can talk about how to prove pipelining to be correct</a:t>
+            </a:r>
+          </a:p>
+          <a:p>
+            <a:pPr lvl="1"/>
+            <a:r>
+              <a:rPr lang="en-US" dirty="0"/>
+              <a:t>Cache coherence</a:t>
+            </a:r>
+          </a:p>
+          <a:p>
+            <a:pPr lvl="2"/>
+            <a:r>
+              <a:rPr lang="en-US" dirty="0"/>
+              <a:t>Can even synthesize correctly</a:t>
+            </a:r>
+          </a:p>
+          <a:p>
+            <a:pPr lvl="3"/>
+            <a:r>
+              <a:rPr lang="en-US" dirty="0"/>
+              <a:t>In 2002 we did something similar</a:t>
+            </a:r>
+          </a:p>
+          <a:p>
+            <a:pPr lvl="3"/>
+            <a:r>
+              <a:rPr lang="en-US" dirty="0">
+                <a:hlinkClick r:id="rId2"/>
+              </a:rPr>
+              <a:t>https://dl.acm.org/doi/abs/10.1023/A%3A1012916831123</a:t>
+            </a:r>
+            <a:br>
+              <a:rPr lang="en-US" dirty="0"/>
+            </a:br>
+            <a:r>
+              <a:rPr lang="en-US" dirty="0"/>
+              <a:t>a copy can be obtained from here, as Kluwer is gone! But FMSD has revived.</a:t>
+            </a:r>
+          </a:p>
+          <a:p>
+            <a:pPr lvl="3"/>
+            <a:r>
+              <a:rPr lang="en-US" dirty="0">
+                <a:hlinkClick r:id="rId3"/>
+              </a:rPr>
+              <a:t>https://citeseerx.ist.psu.edu/viewdoc/download?doi=10.1.1.91.621&amp;rep=rep1&amp;type=pdf</a:t>
+            </a:r>
+            <a:endParaRPr lang="en-US" dirty="0"/>
+          </a:p>
+          <a:p>
+            <a:pPr lvl="2"/>
+            <a:r>
+              <a:rPr lang="en-US" dirty="0"/>
+              <a:t>Latest work in this genre</a:t>
+            </a:r>
+          </a:p>
+          <a:p>
+            <a:pPr lvl="3"/>
+            <a:r>
+              <a:rPr lang="en-US" dirty="0"/>
+              <a:t> </a:t>
+            </a:r>
+            <a:r>
+              <a:rPr lang="en-US" dirty="0">
+                <a:hlinkClick r:id="rId4"/>
+              </a:rPr>
+              <a:t>https://homepages.inf.ed.ac.uk/vnagaraj/papers/isca20.pdf</a:t>
+            </a:r>
+            <a:endParaRPr lang="en-US" dirty="0"/>
+          </a:p>
+          <a:p>
+            <a:pPr lvl="4"/>
+            <a:r>
+              <a:rPr lang="en-US" dirty="0"/>
+              <a:t>They don’t cite us (because our area is so busy publishing and not searching)</a:t>
+            </a:r>
+          </a:p>
+          <a:p>
+            <a:pPr lvl="4"/>
+            <a:r>
+              <a:rPr lang="en-US" dirty="0"/>
+              <a:t>But the senior authors are friends and they acknowledge the omission + will cite in future!</a:t>
+            </a:r>
+          </a:p>
+          <a:p>
+            <a:pPr lvl="1"/>
+            <a:r>
+              <a:rPr lang="en-US" dirty="0"/>
+              <a:t>Other protocols? (e.g. computer networking)</a:t>
+            </a:r>
+          </a:p>
+          <a:p>
+            <a:pPr lvl="3"/>
+            <a:endParaRPr lang="en-US" dirty="0"/>
+          </a:p>
+          <a:p>
+            <a:endParaRPr lang="en-US" dirty="0"/>
+          </a:p>
+        </p:txBody>
+      </p:sp>
+      <p:sp>
+        <p:nvSpPr>
+          <p:cNvPr id="4" name="Slide Number Placeholder 3">
+            <a:extLst>
+              <a:ext uri="{FF2B5EF4-FFF2-40B4-BE49-F238E27FC236}">
+                <a16:creationId xmlns:a16="http://schemas.microsoft.com/office/drawing/2014/main" id="{28FCE84C-DF3B-E64B-A9AD-834651416724}"/>
+              </a:ext>
+            </a:extLst>
+          </p:cNvPr>
+          <p:cNvSpPr>
+            <a:spLocks noGrp="1"/>
+          </p:cNvSpPr>
+          <p:nvPr>
+            <p:ph type="sldNum" sz="quarter" idx="12"/>
+          </p:nvPr>
+        </p:nvSpPr>
+        <p:spPr/>
+        <p:txBody>
+          <a:bodyPr/>
+          <a:lstStyle/>
+          <a:p>
+            <a:fld id="{79825567-3CEF-414F-9B7D-82942F152A58}" type="slidenum">
+              <a:rPr lang="en-US" smtClean="0"/>
+              <a:t>4</a:t>
+            </a:fld>
+            <a:endParaRPr lang="en-US" dirty="0"/>
+          </a:p>
+        </p:txBody>
+      </p:sp>
+    </p:spTree>
+    <p:extLst>
+      <p:ext uri="{BB962C8B-B14F-4D97-AF65-F5344CB8AC3E}">
+        <p14:creationId xmlns:p14="http://schemas.microsoft.com/office/powerpoint/2010/main" val="3461100226"/>
+      </p:ext>
+    </p:extLst>
+  </p:cSld>
+  <p:clrMapOvr>
+    <a:masterClrMapping/>
+  </p:clrMapOvr>
+</p:sld>
+</file>
+
+<file path=ppt/slides/slide5.xml><?xml version="1.0" encoding="utf-8"?>
+<p:sld xmlns:a="http://schemas.openxmlformats.org/drawingml/2006/main" xmlns:r="http://schemas.openxmlformats.org/officeDocument/2006/relationships" xmlns:p="http://schemas.openxmlformats.org/presentationml/2006/main">
+  <p:cSld>
+    <p:spTree>
+      <p:nvGrpSpPr>
+        <p:cNvPr id="1" name=""/>
+        <p:cNvGrpSpPr/>
+        <p:nvPr/>
+      </p:nvGrpSpPr>
+      <p:grpSpPr>
+        <a:xfrm>
+          <a:off x="0" y="0"/>
+          <a:ext cx="0" cy="0"/>
+          <a:chOff x="0" y="0"/>
+          <a:chExt cx="0" cy="0"/>
+        </a:xfrm>
+      </p:grpSpPr>
+      <p:sp>
+        <p:nvSpPr>
+          <p:cNvPr id="2" name="Title 1">
+            <a:extLst>
+              <a:ext uri="{FF2B5EF4-FFF2-40B4-BE49-F238E27FC236}">
+                <a16:creationId xmlns:a16="http://schemas.microsoft.com/office/drawing/2014/main" id="{5F0AA67D-7131-5148-9114-C2984902C98E}"/>
+              </a:ext>
+            </a:extLst>
+          </p:cNvPr>
+          <p:cNvSpPr>
+            <a:spLocks noGrp="1"/>
+          </p:cNvSpPr>
+          <p:nvPr>
+            <p:ph type="title"/>
+          </p:nvPr>
+        </p:nvSpPr>
+        <p:spPr/>
+        <p:txBody>
+          <a:bodyPr>
+            <a:normAutofit fontScale="90000"/>
+          </a:bodyPr>
+          <a:lstStyle/>
+          <a:p>
+            <a:r>
+              <a:rPr lang="en-US" dirty="0"/>
+              <a:t>Roadmap of CS 6110 now on</a:t>
+            </a:r>
+          </a:p>
+        </p:txBody>
+      </p:sp>
+      <p:sp>
+        <p:nvSpPr>
+          <p:cNvPr id="3" name="Content Placeholder 2">
+            <a:extLst>
+              <a:ext uri="{FF2B5EF4-FFF2-40B4-BE49-F238E27FC236}">
+                <a16:creationId xmlns:a16="http://schemas.microsoft.com/office/drawing/2014/main" id="{A2101E50-87C3-AF43-BF15-B19D15CF087F}"/>
+              </a:ext>
+            </a:extLst>
+          </p:cNvPr>
+          <p:cNvSpPr>
+            <a:spLocks noGrp="1"/>
+          </p:cNvSpPr>
+          <p:nvPr>
+            <p:ph idx="1"/>
+          </p:nvPr>
+        </p:nvSpPr>
+        <p:spPr>
+          <a:xfrm>
+            <a:off x="838200" y="1362781"/>
+            <a:ext cx="10515600" cy="5252508"/>
+          </a:xfrm>
+        </p:spPr>
+        <p:txBody>
+          <a:bodyPr>
+            <a:normAutofit/>
+          </a:bodyPr>
+          <a:lstStyle/>
+          <a:p>
+            <a:r>
+              <a:rPr lang="en-US" dirty="0"/>
+              <a:t>We can even do parametric proofs</a:t>
+            </a:r>
+          </a:p>
+          <a:p>
+            <a:pPr lvl="1"/>
+            <a:r>
+              <a:rPr lang="en-US" dirty="0"/>
+              <a:t>Model 2 </a:t>
+            </a:r>
+            <a:r>
+              <a:rPr lang="en-US" dirty="0" err="1"/>
+              <a:t>proctypes</a:t>
+            </a:r>
+            <a:r>
+              <a:rPr lang="en-US" dirty="0"/>
+              <a:t> explicitly</a:t>
+            </a:r>
+          </a:p>
+          <a:p>
+            <a:pPr lvl="1"/>
+            <a:r>
+              <a:rPr lang="en-US" dirty="0"/>
+              <a:t>Model the remaining (N-2) </a:t>
+            </a:r>
+            <a:r>
+              <a:rPr lang="en-US" dirty="0" err="1"/>
+              <a:t>proctypes</a:t>
+            </a:r>
+            <a:r>
+              <a:rPr lang="en-US" dirty="0"/>
+              <a:t> as one “ghost” </a:t>
+            </a:r>
+            <a:r>
+              <a:rPr lang="en-US" dirty="0" err="1"/>
+              <a:t>proctype</a:t>
+            </a:r>
+            <a:endParaRPr lang="en-US" dirty="0"/>
+          </a:p>
+          <a:p>
+            <a:pPr lvl="1"/>
+            <a:r>
+              <a:rPr lang="en-US" dirty="0"/>
+              <a:t>Refine the ghost till it faithfully models the N-2 ghosts</a:t>
+            </a:r>
+          </a:p>
+          <a:p>
+            <a:pPr lvl="2"/>
+            <a:r>
+              <a:rPr lang="en-US" dirty="0"/>
+              <a:t>Voila! We now have a proof for N </a:t>
+            </a:r>
+            <a:r>
+              <a:rPr lang="en-US" dirty="0" err="1"/>
+              <a:t>proctypes</a:t>
+            </a:r>
+            <a:endParaRPr lang="en-US" dirty="0"/>
+          </a:p>
+          <a:p>
+            <a:pPr lvl="1"/>
+            <a:r>
+              <a:rPr lang="en-US" dirty="0"/>
+              <a:t>Good work in this area [ nice project topic ; done in </a:t>
+            </a:r>
+            <a:r>
+              <a:rPr lang="en-US" dirty="0" err="1"/>
+              <a:t>Murphi</a:t>
+            </a:r>
+            <a:r>
+              <a:rPr lang="en-US" dirty="0"/>
+              <a:t> fully !!! ]</a:t>
+            </a:r>
+          </a:p>
+          <a:p>
+            <a:pPr lvl="2"/>
+            <a:r>
+              <a:rPr lang="en-US" dirty="0">
+                <a:hlinkClick r:id="rId2"/>
+              </a:rPr>
+              <a:t>http://citeseerx.ist.psu.edu/viewdoc/summary?doi=10.1.1.101.5271</a:t>
+            </a:r>
+            <a:endParaRPr lang="en-US" dirty="0"/>
+          </a:p>
+          <a:p>
+            <a:pPr lvl="2"/>
+            <a:r>
+              <a:rPr lang="en-US" dirty="0"/>
+              <a:t>Later the lead author (Dr. Ching-</a:t>
+            </a:r>
+            <a:r>
+              <a:rPr lang="en-US" dirty="0" err="1"/>
+              <a:t>Tsun</a:t>
+            </a:r>
+            <a:r>
+              <a:rPr lang="en-US" dirty="0"/>
+              <a:t> Chou) helped us do something like this</a:t>
+            </a:r>
+          </a:p>
+          <a:p>
+            <a:pPr lvl="3"/>
+            <a:r>
+              <a:rPr lang="en-US" dirty="0">
+                <a:hlinkClick r:id="rId3"/>
+              </a:rPr>
+              <a:t>https://ieeexplore.ieee.org/document/4392796</a:t>
+            </a:r>
+            <a:br>
+              <a:rPr lang="en-US" dirty="0"/>
+            </a:br>
+            <a:endParaRPr lang="en-US" dirty="0"/>
+          </a:p>
+          <a:p>
+            <a:pPr lvl="2"/>
+            <a:r>
+              <a:rPr lang="en-US" dirty="0"/>
+              <a:t>which appeared in an extended form also</a:t>
+            </a:r>
+          </a:p>
+          <a:p>
+            <a:pPr lvl="2"/>
+            <a:r>
+              <a:rPr lang="en-US" dirty="0">
+                <a:hlinkClick r:id="rId4"/>
+              </a:rPr>
+              <a:t>https://dblp.org/rec/journals/fmsd/ChenYGC10.html?view=bibtex</a:t>
+            </a:r>
+            <a:endParaRPr lang="en-US" dirty="0"/>
+          </a:p>
+          <a:p>
+            <a:r>
+              <a:rPr lang="en-US" sz="1400" dirty="0"/>
+              <a:t>Some of the above posted on the class website (fmcad04 tutorial)</a:t>
+            </a:r>
+          </a:p>
+          <a:p>
+            <a:pPr lvl="2"/>
+            <a:endParaRPr lang="en-US" dirty="0"/>
+          </a:p>
+          <a:p>
+            <a:pPr lvl="1"/>
+            <a:endParaRPr lang="en-US" dirty="0"/>
+          </a:p>
+          <a:p>
+            <a:pPr lvl="3"/>
+            <a:endParaRPr lang="en-US" dirty="0"/>
+          </a:p>
+          <a:p>
+            <a:endParaRPr lang="en-US" dirty="0"/>
+          </a:p>
+        </p:txBody>
+      </p:sp>
+      <p:sp>
+        <p:nvSpPr>
+          <p:cNvPr id="4" name="Slide Number Placeholder 3">
+            <a:extLst>
+              <a:ext uri="{FF2B5EF4-FFF2-40B4-BE49-F238E27FC236}">
+                <a16:creationId xmlns:a16="http://schemas.microsoft.com/office/drawing/2014/main" id="{28FCE84C-DF3B-E64B-A9AD-834651416724}"/>
+              </a:ext>
+            </a:extLst>
+          </p:cNvPr>
+          <p:cNvSpPr>
+            <a:spLocks noGrp="1"/>
+          </p:cNvSpPr>
+          <p:nvPr>
+            <p:ph type="sldNum" sz="quarter" idx="12"/>
+          </p:nvPr>
+        </p:nvSpPr>
+        <p:spPr/>
+        <p:txBody>
+          <a:bodyPr/>
+          <a:lstStyle/>
+          <a:p>
+            <a:fld id="{79825567-3CEF-414F-9B7D-82942F152A58}" type="slidenum">
+              <a:rPr lang="en-US" smtClean="0"/>
+              <a:t>5</a:t>
+            </a:fld>
+            <a:endParaRPr lang="en-US" dirty="0"/>
+          </a:p>
+        </p:txBody>
+      </p:sp>
+    </p:spTree>
+    <p:extLst>
+      <p:ext uri="{BB962C8B-B14F-4D97-AF65-F5344CB8AC3E}">
+        <p14:creationId xmlns:p14="http://schemas.microsoft.com/office/powerpoint/2010/main" val="1408605986"/>
+      </p:ext>
+    </p:extLst>
+  </p:cSld>
+  <p:clrMapOvr>
+    <a:masterClrMapping/>
+  </p:clrMapOvr>
+</p:sld>
+</file>
+
+<file path=ppt/slides/slide6.xml><?xml version="1.0" encoding="utf-8"?>
+<p:sld xmlns:a="http://schemas.openxmlformats.org/drawingml/2006/main" xmlns:r="http://schemas.openxmlformats.org/officeDocument/2006/relationships" xmlns:p="http://schemas.openxmlformats.org/presentationml/2006/main">
+  <p:cSld>
+    <p:spTree>
+      <p:nvGrpSpPr>
+        <p:cNvPr id="1" name=""/>
+        <p:cNvGrpSpPr/>
+        <p:nvPr/>
+      </p:nvGrpSpPr>
+      <p:grpSpPr>
+        <a:xfrm>
+          <a:off x="0" y="0"/>
+          <a:ext cx="0" cy="0"/>
+          <a:chOff x="0" y="0"/>
+          <a:chExt cx="0" cy="0"/>
+        </a:xfrm>
+      </p:grpSpPr>
+      <p:sp>
+        <p:nvSpPr>
+          <p:cNvPr id="2" name="Title 1">
+            <a:extLst>
+              <a:ext uri="{FF2B5EF4-FFF2-40B4-BE49-F238E27FC236}">
+                <a16:creationId xmlns:a16="http://schemas.microsoft.com/office/drawing/2014/main" id="{5F0AA67D-7131-5148-9114-C2984902C98E}"/>
+              </a:ext>
+            </a:extLst>
+          </p:cNvPr>
+          <p:cNvSpPr>
+            <a:spLocks noGrp="1"/>
+          </p:cNvSpPr>
+          <p:nvPr>
+            <p:ph type="title"/>
+          </p:nvPr>
+        </p:nvSpPr>
+        <p:spPr/>
+        <p:txBody>
+          <a:bodyPr>
+            <a:normAutofit fontScale="90000"/>
+          </a:bodyPr>
+          <a:lstStyle/>
+          <a:p>
+            <a:r>
+              <a:rPr lang="en-US" dirty="0"/>
+              <a:t>Today (2/8/22)</a:t>
+            </a:r>
+          </a:p>
+        </p:txBody>
+      </p:sp>
+      <p:sp>
+        <p:nvSpPr>
+          <p:cNvPr id="3" name="Content Placeholder 2">
+            <a:extLst>
+              <a:ext uri="{FF2B5EF4-FFF2-40B4-BE49-F238E27FC236}">
+                <a16:creationId xmlns:a16="http://schemas.microsoft.com/office/drawing/2014/main" id="{A2101E50-87C3-AF43-BF15-B19D15CF087F}"/>
+              </a:ext>
+            </a:extLst>
+          </p:cNvPr>
+          <p:cNvSpPr>
+            <a:spLocks noGrp="1"/>
+          </p:cNvSpPr>
+          <p:nvPr>
+            <p:ph idx="1"/>
+          </p:nvPr>
+        </p:nvSpPr>
+        <p:spPr/>
+        <p:txBody>
+          <a:bodyPr>
+            <a:normAutofit/>
+          </a:bodyPr>
+          <a:lstStyle/>
+          <a:p>
+            <a:r>
+              <a:rPr lang="en-US" dirty="0"/>
+              <a:t>Make you engage with the </a:t>
+            </a:r>
+            <a:r>
+              <a:rPr lang="en-US" dirty="0" err="1"/>
+              <a:t>Promela</a:t>
+            </a:r>
+            <a:r>
+              <a:rPr lang="en-US" dirty="0"/>
+              <a:t> locking protocol</a:t>
+            </a:r>
+          </a:p>
+          <a:p>
+            <a:pPr lvl="1"/>
+            <a:r>
+              <a:rPr lang="en-US" dirty="0"/>
+              <a:t>We will collectively do the design</a:t>
+            </a:r>
+          </a:p>
+          <a:p>
+            <a:r>
+              <a:rPr lang="en-US" dirty="0"/>
+              <a:t>Show you how it is coded in </a:t>
+            </a:r>
+            <a:r>
+              <a:rPr lang="en-US" dirty="0" err="1"/>
+              <a:t>Murphi</a:t>
+            </a:r>
+            <a:r>
+              <a:rPr lang="en-US" dirty="0"/>
+              <a:t>, and some fun facts </a:t>
+            </a:r>
+          </a:p>
+          <a:p>
+            <a:pPr lvl="1"/>
+            <a:r>
+              <a:rPr lang="en-US" dirty="0"/>
+              <a:t>Most of these facts will come up during the lecture</a:t>
+            </a:r>
+          </a:p>
+          <a:p>
+            <a:pPr lvl="1"/>
+            <a:r>
+              <a:rPr lang="en-US" dirty="0"/>
+              <a:t>I have some slides to follow</a:t>
+            </a:r>
+          </a:p>
+          <a:p>
+            <a:endParaRPr lang="en-US" dirty="0"/>
+          </a:p>
+        </p:txBody>
+      </p:sp>
+      <p:sp>
+        <p:nvSpPr>
+          <p:cNvPr id="4" name="Slide Number Placeholder 3">
+            <a:extLst>
+              <a:ext uri="{FF2B5EF4-FFF2-40B4-BE49-F238E27FC236}">
+                <a16:creationId xmlns:a16="http://schemas.microsoft.com/office/drawing/2014/main" id="{28FCE84C-DF3B-E64B-A9AD-834651416724}"/>
+              </a:ext>
+            </a:extLst>
+          </p:cNvPr>
+          <p:cNvSpPr>
+            <a:spLocks noGrp="1"/>
+          </p:cNvSpPr>
+          <p:nvPr>
+            <p:ph type="sldNum" sz="quarter" idx="12"/>
+          </p:nvPr>
+        </p:nvSpPr>
+        <p:spPr/>
+        <p:txBody>
+          <a:bodyPr/>
+          <a:lstStyle/>
+          <a:p>
+            <a:fld id="{79825567-3CEF-414F-9B7D-82942F152A58}" type="slidenum">
+              <a:rPr lang="en-US" smtClean="0"/>
+              <a:t>6</a:t>
+            </a:fld>
+            <a:endParaRPr lang="en-US" dirty="0"/>
+          </a:p>
+        </p:txBody>
+      </p:sp>
+    </p:spTree>
+    <p:extLst>
+      <p:ext uri="{BB962C8B-B14F-4D97-AF65-F5344CB8AC3E}">
+        <p14:creationId xmlns:p14="http://schemas.microsoft.com/office/powerpoint/2010/main" val="495527880"/>
+      </p:ext>
+    </p:extLst>
+  </p:cSld>
+  <p:clrMapOvr>
+    <a:masterClrMapping/>
+  </p:clrMapOvr>
+</p:sld>
+</file>
+
+<file path=ppt/slides/slide7.xml><?xml version="1.0" encoding="utf-8"?>
+<p:sld xmlns:a="http://schemas.openxmlformats.org/drawingml/2006/main" xmlns:r="http://schemas.openxmlformats.org/officeDocument/2006/relationships" xmlns:p="http://schemas.openxmlformats.org/presentationml/2006/main">
+  <p:cSld>
+    <p:spTree>
+      <p:nvGrpSpPr>
+        <p:cNvPr id="1" name=""/>
+        <p:cNvGrpSpPr/>
+        <p:nvPr/>
+      </p:nvGrpSpPr>
+      <p:grpSpPr>
+        <a:xfrm>
+          <a:off x="0" y="0"/>
+          <a:ext cx="0" cy="0"/>
+          <a:chOff x="0" y="0"/>
+          <a:chExt cx="0" cy="0"/>
+        </a:xfrm>
+      </p:grpSpPr>
+      <p:sp>
+        <p:nvSpPr>
+          <p:cNvPr id="2" name="Title 1">
+            <a:extLst>
+              <a:ext uri="{FF2B5EF4-FFF2-40B4-BE49-F238E27FC236}">
+                <a16:creationId xmlns:a16="http://schemas.microsoft.com/office/drawing/2014/main" id="{5F0AA67D-7131-5148-9114-C2984902C98E}"/>
+              </a:ext>
+            </a:extLst>
+          </p:cNvPr>
+          <p:cNvSpPr>
+            <a:spLocks noGrp="1"/>
+          </p:cNvSpPr>
+          <p:nvPr>
+            <p:ph type="title"/>
+          </p:nvPr>
+        </p:nvSpPr>
+        <p:spPr/>
+        <p:txBody>
+          <a:bodyPr>
+            <a:normAutofit fontScale="90000"/>
+          </a:bodyPr>
+          <a:lstStyle/>
+          <a:p>
+            <a:r>
+              <a:rPr lang="en-US" dirty="0"/>
+              <a:t>What is coming?</a:t>
+            </a:r>
+          </a:p>
+        </p:txBody>
+      </p:sp>
+      <p:sp>
+        <p:nvSpPr>
+          <p:cNvPr id="3" name="Content Placeholder 2">
+            <a:extLst>
+              <a:ext uri="{FF2B5EF4-FFF2-40B4-BE49-F238E27FC236}">
+                <a16:creationId xmlns:a16="http://schemas.microsoft.com/office/drawing/2014/main" id="{A2101E50-87C3-AF43-BF15-B19D15CF087F}"/>
+              </a:ext>
+            </a:extLst>
+          </p:cNvPr>
+          <p:cNvSpPr>
+            <a:spLocks noGrp="1"/>
+          </p:cNvSpPr>
+          <p:nvPr>
+            <p:ph idx="1"/>
+          </p:nvPr>
+        </p:nvSpPr>
+        <p:spPr/>
+        <p:txBody>
+          <a:bodyPr>
+            <a:normAutofit lnSpcReduction="10000"/>
+          </a:bodyPr>
+          <a:lstStyle/>
+          <a:p>
+            <a:r>
+              <a:rPr lang="en-US" dirty="0"/>
+              <a:t>Thu 2/10/22 on (for about 3 lectures)</a:t>
+            </a:r>
+          </a:p>
+          <a:p>
+            <a:pPr lvl="1"/>
+            <a:r>
+              <a:rPr lang="en-US" dirty="0"/>
+              <a:t>Encourage you to read the next Bradley/Manna Chapter</a:t>
+            </a:r>
+          </a:p>
+          <a:p>
+            <a:pPr lvl="1"/>
+            <a:r>
+              <a:rPr lang="en-US" dirty="0"/>
+              <a:t>Ask you to encode </a:t>
+            </a:r>
+            <a:r>
+              <a:rPr lang="en-US" dirty="0" err="1"/>
+              <a:t>Kenken</a:t>
+            </a:r>
+            <a:r>
+              <a:rPr lang="en-US" dirty="0"/>
+              <a:t> in Z3py</a:t>
+            </a:r>
+          </a:p>
+          <a:p>
+            <a:pPr lvl="2"/>
+            <a:r>
+              <a:rPr lang="en-US" dirty="0"/>
+              <a:t>those who have done this will get another assignment</a:t>
+            </a:r>
+          </a:p>
+          <a:p>
+            <a:pPr lvl="1"/>
+            <a:r>
+              <a:rPr lang="en-US" dirty="0"/>
+              <a:t>Then, Alloy, and Model-Finding</a:t>
+            </a:r>
+          </a:p>
+          <a:p>
+            <a:pPr lvl="2"/>
+            <a:r>
+              <a:rPr lang="en-US" dirty="0"/>
+              <a:t>Will teach first-order logic using Alloy</a:t>
+            </a:r>
+          </a:p>
+          <a:p>
+            <a:pPr lvl="2"/>
+            <a:r>
+              <a:rPr lang="en-US" dirty="0"/>
+              <a:t>Will review relations, preorders, </a:t>
+            </a:r>
+            <a:r>
+              <a:rPr lang="en-US" dirty="0" err="1"/>
+              <a:t>etc</a:t>
+            </a:r>
+            <a:r>
+              <a:rPr lang="en-US" dirty="0"/>
+              <a:t>, using Alloy</a:t>
+            </a:r>
+          </a:p>
+          <a:p>
+            <a:pPr lvl="2"/>
+            <a:r>
+              <a:rPr lang="en-US" dirty="0"/>
+              <a:t>Then we will write some Alloy models</a:t>
+            </a:r>
+          </a:p>
+          <a:p>
+            <a:r>
+              <a:rPr lang="en-US" dirty="0"/>
+              <a:t>Then</a:t>
+            </a:r>
+          </a:p>
+          <a:p>
+            <a:pPr lvl="1"/>
+            <a:r>
+              <a:rPr lang="en-US" dirty="0"/>
+              <a:t>Verification using Dynamic Symbolic Execution (KLEE)</a:t>
+            </a:r>
+          </a:p>
+          <a:p>
+            <a:pPr lvl="1"/>
+            <a:r>
+              <a:rPr lang="en-US" dirty="0"/>
+              <a:t>Hoare-logic proofs (e.g. using </a:t>
+            </a:r>
+            <a:r>
+              <a:rPr lang="en-US" dirty="0" err="1"/>
+              <a:t>VeriFast</a:t>
+            </a:r>
+            <a:r>
+              <a:rPr lang="en-US" dirty="0"/>
+              <a:t>)</a:t>
+            </a:r>
+          </a:p>
+          <a:p>
+            <a:pPr lvl="1"/>
+            <a:r>
+              <a:rPr lang="en-US" dirty="0"/>
+              <a:t>Static Analysis</a:t>
+            </a:r>
+          </a:p>
+          <a:p>
+            <a:pPr lvl="1"/>
+            <a:endParaRPr lang="en-US" dirty="0"/>
+          </a:p>
+          <a:p>
+            <a:endParaRPr lang="en-US" dirty="0"/>
+          </a:p>
+        </p:txBody>
+      </p:sp>
+      <p:sp>
+        <p:nvSpPr>
+          <p:cNvPr id="4" name="Slide Number Placeholder 3">
+            <a:extLst>
+              <a:ext uri="{FF2B5EF4-FFF2-40B4-BE49-F238E27FC236}">
+                <a16:creationId xmlns:a16="http://schemas.microsoft.com/office/drawing/2014/main" id="{28FCE84C-DF3B-E64B-A9AD-834651416724}"/>
+              </a:ext>
+            </a:extLst>
+          </p:cNvPr>
+          <p:cNvSpPr>
+            <a:spLocks noGrp="1"/>
+          </p:cNvSpPr>
+          <p:nvPr>
+            <p:ph type="sldNum" sz="quarter" idx="12"/>
+          </p:nvPr>
+        </p:nvSpPr>
+        <p:spPr/>
+        <p:txBody>
+          <a:bodyPr/>
+          <a:lstStyle/>
+          <a:p>
+            <a:fld id="{79825567-3CEF-414F-9B7D-82942F152A58}" type="slidenum">
+              <a:rPr lang="en-US" smtClean="0"/>
+              <a:t>7</a:t>
+            </a:fld>
+            <a:endParaRPr lang="en-US" dirty="0"/>
+          </a:p>
+        </p:txBody>
+      </p:sp>
+    </p:spTree>
+    <p:extLst>
+      <p:ext uri="{BB962C8B-B14F-4D97-AF65-F5344CB8AC3E}">
+        <p14:creationId xmlns:p14="http://schemas.microsoft.com/office/powerpoint/2010/main" val="3355458078"/>
+      </p:ext>
+    </p:extLst>
+  </p:cSld>
+  <p:clrMapOvr>
+    <a:masterClrMapping/>
+  </p:clrMapOvr>
+</p:sld>
+</file>
+
+<file path=ppt/slides/slide8.xml><?xml version="1.0" encoding="utf-8"?>
+<p:sld xmlns:a="http://schemas.openxmlformats.org/drawingml/2006/main" xmlns:r="http://schemas.openxmlformats.org/officeDocument/2006/relationships" xmlns:p="http://schemas.openxmlformats.org/presentationml/2006/main">
+  <p:cSld>
+    <p:spTree>
+      <p:nvGrpSpPr>
+        <p:cNvPr id="1" name=""/>
+        <p:cNvGrpSpPr/>
+        <p:nvPr/>
+      </p:nvGrpSpPr>
+      <p:grpSpPr>
+        <a:xfrm>
+          <a:off x="0" y="0"/>
+          <a:ext cx="0" cy="0"/>
+          <a:chOff x="0" y="0"/>
+          <a:chExt cx="0" cy="0"/>
+        </a:xfrm>
+      </p:grpSpPr>
+      <p:sp>
+        <p:nvSpPr>
+          <p:cNvPr id="2" name="Title 1">
+            <a:extLst>
+              <a:ext uri="{FF2B5EF4-FFF2-40B4-BE49-F238E27FC236}">
+                <a16:creationId xmlns:a16="http://schemas.microsoft.com/office/drawing/2014/main" id="{5F0AA67D-7131-5148-9114-C2984902C98E}"/>
+              </a:ext>
+            </a:extLst>
+          </p:cNvPr>
+          <p:cNvSpPr>
+            <a:spLocks noGrp="1"/>
+          </p:cNvSpPr>
+          <p:nvPr>
+            <p:ph type="title"/>
+          </p:nvPr>
+        </p:nvSpPr>
+        <p:spPr/>
+        <p:txBody>
+          <a:bodyPr>
+            <a:normAutofit fontScale="90000"/>
+          </a:bodyPr>
+          <a:lstStyle/>
+          <a:p>
+            <a:r>
+              <a:rPr lang="en-US" dirty="0"/>
+              <a:t>Now today’s material </a:t>
+            </a:r>
+          </a:p>
+        </p:txBody>
+      </p:sp>
+      <p:sp>
+        <p:nvSpPr>
+          <p:cNvPr id="3" name="Content Placeholder 2">
+            <a:extLst>
+              <a:ext uri="{FF2B5EF4-FFF2-40B4-BE49-F238E27FC236}">
+                <a16:creationId xmlns:a16="http://schemas.microsoft.com/office/drawing/2014/main" id="{A2101E50-87C3-AF43-BF15-B19D15CF087F}"/>
+              </a:ext>
+            </a:extLst>
+          </p:cNvPr>
+          <p:cNvSpPr>
+            <a:spLocks noGrp="1"/>
+          </p:cNvSpPr>
+          <p:nvPr>
+            <p:ph idx="1"/>
+          </p:nvPr>
+        </p:nvSpPr>
+        <p:spPr/>
+        <p:txBody>
+          <a:bodyPr>
+            <a:normAutofit/>
+          </a:bodyPr>
+          <a:lstStyle/>
+          <a:p>
+            <a:r>
+              <a:rPr lang="en-US" dirty="0"/>
+              <a:t>Make you interact on a </a:t>
+            </a:r>
+            <a:r>
+              <a:rPr lang="en-US" dirty="0" err="1"/>
+              <a:t>Promela</a:t>
+            </a:r>
+            <a:r>
+              <a:rPr lang="en-US" dirty="0"/>
+              <a:t> scenario</a:t>
+            </a:r>
+          </a:p>
+          <a:p>
+            <a:pPr lvl="1"/>
+            <a:r>
+              <a:rPr lang="en-US" dirty="0"/>
+              <a:t>Hopefully you can finish Asg-3</a:t>
+            </a:r>
+          </a:p>
+          <a:p>
+            <a:pPr lvl="1"/>
+            <a:endParaRPr lang="en-US" dirty="0"/>
+          </a:p>
+          <a:p>
+            <a:r>
+              <a:rPr lang="en-US" dirty="0"/>
+              <a:t>Then onto reading a </a:t>
+            </a:r>
+            <a:r>
+              <a:rPr lang="en-US" dirty="0" err="1"/>
+              <a:t>Murphi</a:t>
+            </a:r>
+            <a:r>
+              <a:rPr lang="en-US" dirty="0"/>
+              <a:t> model</a:t>
+            </a:r>
+          </a:p>
+          <a:p>
+            <a:pPr lvl="1"/>
+            <a:r>
+              <a:rPr lang="en-US" dirty="0"/>
+              <a:t>Next slide carries intuitions about </a:t>
+            </a:r>
+            <a:r>
+              <a:rPr lang="en-US" dirty="0" err="1"/>
+              <a:t>Murphi</a:t>
+            </a:r>
+            <a:r>
+              <a:rPr lang="en-US" dirty="0"/>
+              <a:t> …</a:t>
+            </a:r>
+          </a:p>
+          <a:p>
+            <a:pPr lvl="1"/>
+            <a:endParaRPr lang="en-US" dirty="0"/>
+          </a:p>
+          <a:p>
+            <a:endParaRPr lang="en-US" dirty="0"/>
+          </a:p>
+        </p:txBody>
+      </p:sp>
+      <p:sp>
+        <p:nvSpPr>
+          <p:cNvPr id="4" name="Slide Number Placeholder 3">
+            <a:extLst>
+              <a:ext uri="{FF2B5EF4-FFF2-40B4-BE49-F238E27FC236}">
+                <a16:creationId xmlns:a16="http://schemas.microsoft.com/office/drawing/2014/main" id="{28FCE84C-DF3B-E64B-A9AD-834651416724}"/>
+              </a:ext>
+            </a:extLst>
+          </p:cNvPr>
+          <p:cNvSpPr>
+            <a:spLocks noGrp="1"/>
+          </p:cNvSpPr>
+          <p:nvPr>
+            <p:ph type="sldNum" sz="quarter" idx="12"/>
+          </p:nvPr>
+        </p:nvSpPr>
+        <p:spPr/>
+        <p:txBody>
+          <a:bodyPr/>
+          <a:lstStyle/>
+          <a:p>
+            <a:fld id="{79825567-3CEF-414F-9B7D-82942F152A58}" type="slidenum">
+              <a:rPr lang="en-US" smtClean="0"/>
+              <a:t>8</a:t>
+            </a:fld>
+            <a:endParaRPr lang="en-US" dirty="0"/>
+          </a:p>
+        </p:txBody>
+      </p:sp>
+    </p:spTree>
+    <p:extLst>
+      <p:ext uri="{BB962C8B-B14F-4D97-AF65-F5344CB8AC3E}">
+        <p14:creationId xmlns:p14="http://schemas.microsoft.com/office/powerpoint/2010/main" val="1030662962"/>
+      </p:ext>
+    </p:extLst>
+  </p:cSld>
+  <p:clrMapOvr>
+    <a:masterClrMapping/>
+  </p:clrMapOvr>
+</p:sld>
+</file>
+
+<file path=ppt/slides/slide9.xml><?xml version="1.0" encoding="utf-8"?>
+<p:sld xmlns:a="http://schemas.openxmlformats.org/drawingml/2006/main" xmlns:r="http://schemas.openxmlformats.org/officeDocument/2006/relationships" xmlns:p="http://schemas.openxmlformats.org/presentationml/2006/main">
+  <p:cSld>
+    <p:spTree>
+      <p:nvGrpSpPr>
+        <p:cNvPr id="1" name=""/>
+        <p:cNvGrpSpPr/>
+        <p:nvPr/>
+      </p:nvGrpSpPr>
+      <p:grpSpPr>
+        <a:xfrm>
+          <a:off x="0" y="0"/>
+          <a:ext cx="0" cy="0"/>
+          <a:chOff x="0" y="0"/>
+          <a:chExt cx="0" cy="0"/>
+        </a:xfrm>
+      </p:grpSpPr>
+      <p:sp>
+        <p:nvSpPr>
+          <p:cNvPr id="2" name="Title 1">
+            <a:extLst>
+              <a:ext uri="{FF2B5EF4-FFF2-40B4-BE49-F238E27FC236}">
+                <a16:creationId xmlns:a16="http://schemas.microsoft.com/office/drawing/2014/main" id="{5F0AA67D-7131-5148-9114-C2984902C98E}"/>
+              </a:ext>
+            </a:extLst>
+          </p:cNvPr>
+          <p:cNvSpPr>
+            <a:spLocks noGrp="1"/>
+          </p:cNvSpPr>
+          <p:nvPr>
+            <p:ph type="title"/>
+          </p:nvPr>
+        </p:nvSpPr>
+        <p:spPr/>
+        <p:txBody>
+          <a:bodyPr>
+            <a:normAutofit fontScale="90000"/>
+          </a:bodyPr>
+          <a:lstStyle/>
+          <a:p>
+            <a:r>
+              <a:rPr lang="en-US" dirty="0"/>
+              <a:t>Why </a:t>
+            </a:r>
+            <a:r>
+              <a:rPr lang="en-US" dirty="0" err="1"/>
+              <a:t>Murphi</a:t>
+            </a:r>
+            <a:r>
+              <a:rPr lang="en-US" dirty="0"/>
+              <a:t>? What else is there?</a:t>
+            </a:r>
+          </a:p>
+        </p:txBody>
+      </p:sp>
+      <p:sp>
+        <p:nvSpPr>
+          <p:cNvPr id="3" name="Content Placeholder 2">
+            <a:extLst>
+              <a:ext uri="{FF2B5EF4-FFF2-40B4-BE49-F238E27FC236}">
+                <a16:creationId xmlns:a16="http://schemas.microsoft.com/office/drawing/2014/main" id="{A2101E50-87C3-AF43-BF15-B19D15CF087F}"/>
+              </a:ext>
+            </a:extLst>
+          </p:cNvPr>
+          <p:cNvSpPr>
+            <a:spLocks noGrp="1"/>
+          </p:cNvSpPr>
+          <p:nvPr>
+            <p:ph idx="1"/>
+          </p:nvPr>
+        </p:nvSpPr>
+        <p:spPr>
+          <a:xfrm>
+            <a:off x="838200" y="1230489"/>
+            <a:ext cx="10515600" cy="5490986"/>
+          </a:xfrm>
+        </p:spPr>
+        <p:txBody>
+          <a:bodyPr>
+            <a:normAutofit fontScale="62500" lnSpcReduction="20000"/>
+          </a:bodyPr>
+          <a:lstStyle/>
+          <a:p>
+            <a:r>
+              <a:rPr lang="en-US" dirty="0" err="1"/>
+              <a:t>Murphi</a:t>
+            </a:r>
+            <a:r>
+              <a:rPr lang="en-US" dirty="0"/>
+              <a:t> – not Murphy. It evolved as Mur$\phi$ </a:t>
+            </a:r>
+          </a:p>
+          <a:p>
+            <a:pPr lvl="1"/>
+            <a:r>
+              <a:rPr lang="en-US" dirty="0"/>
+              <a:t>but now everyone wants to avoid Greek-letters (that put off real designers!)</a:t>
+            </a:r>
+          </a:p>
+          <a:p>
+            <a:r>
+              <a:rPr lang="en-US" dirty="0"/>
+              <a:t>In the genre of</a:t>
+            </a:r>
+          </a:p>
+          <a:p>
+            <a:pPr lvl="1"/>
+            <a:r>
+              <a:rPr lang="en-US" dirty="0"/>
+              <a:t>TLA+ - free TLA+ book + tons of examples</a:t>
+            </a:r>
+          </a:p>
+          <a:p>
+            <a:pPr lvl="2"/>
+            <a:r>
+              <a:rPr lang="en-US" dirty="0">
+                <a:hlinkClick r:id="rId2"/>
+              </a:rPr>
+              <a:t>https://lamport.azurewebsites.net/tla/book.html</a:t>
+            </a:r>
+            <a:r>
+              <a:rPr lang="en-US" dirty="0"/>
+              <a:t> </a:t>
+            </a:r>
+          </a:p>
+          <a:p>
+            <a:pPr lvl="2"/>
+            <a:r>
+              <a:rPr lang="en-US" dirty="0"/>
+              <a:t>Also see </a:t>
+            </a:r>
+            <a:r>
+              <a:rPr lang="en-US" dirty="0" err="1"/>
+              <a:t>PlusCal</a:t>
+            </a:r>
+            <a:r>
+              <a:rPr lang="en-US" dirty="0"/>
+              <a:t> </a:t>
+            </a:r>
+            <a:r>
+              <a:rPr lang="en-US" dirty="0">
+                <a:hlinkClick r:id="rId3"/>
+              </a:rPr>
+              <a:t>https://lamport.azurewebsites.net/pubs/pluscal.pdf</a:t>
+            </a:r>
+            <a:r>
+              <a:rPr lang="en-US" dirty="0"/>
+              <a:t> </a:t>
+            </a:r>
+          </a:p>
+          <a:p>
+            <a:r>
+              <a:rPr lang="en-US" dirty="0"/>
+              <a:t>In the style of Unity</a:t>
+            </a:r>
+          </a:p>
+          <a:p>
+            <a:pPr lvl="1"/>
+            <a:r>
+              <a:rPr lang="en-US" dirty="0">
+                <a:hlinkClick r:id="rId4"/>
+              </a:rPr>
+              <a:t>https://www.cs.utexas.edu/users/misra/psp.dir/Marktoberdorf-88.pdf</a:t>
+            </a:r>
+            <a:endParaRPr lang="en-US" dirty="0"/>
+          </a:p>
+          <a:p>
+            <a:r>
+              <a:rPr lang="en-US" dirty="0"/>
+              <a:t>I encourage you to “think TLA+/Unity/</a:t>
+            </a:r>
+            <a:r>
+              <a:rPr lang="en-US" dirty="0" err="1"/>
+              <a:t>PlusCal</a:t>
+            </a:r>
+            <a:r>
+              <a:rPr lang="en-US" dirty="0"/>
+              <a:t>”</a:t>
+            </a:r>
+          </a:p>
+          <a:p>
+            <a:pPr lvl="1"/>
+            <a:r>
+              <a:rPr lang="en-US" dirty="0"/>
+              <a:t>But you might code in </a:t>
+            </a:r>
+            <a:r>
+              <a:rPr lang="en-US" dirty="0" err="1"/>
+              <a:t>Murphi</a:t>
+            </a:r>
+            <a:r>
+              <a:rPr lang="en-US" dirty="0"/>
+              <a:t> finally!!</a:t>
+            </a:r>
+          </a:p>
+          <a:p>
+            <a:r>
+              <a:rPr lang="en-US" dirty="0" err="1"/>
+              <a:t>Rumur’s</a:t>
+            </a:r>
+            <a:r>
+              <a:rPr lang="en-US" dirty="0"/>
+              <a:t> site has a Python-based “toy model checker”</a:t>
+            </a:r>
+          </a:p>
+          <a:p>
+            <a:pPr lvl="1"/>
+            <a:r>
+              <a:rPr lang="en-US" dirty="0"/>
+              <a:t>Shows you how </a:t>
+            </a:r>
+            <a:r>
+              <a:rPr lang="en-US" dirty="0" err="1"/>
+              <a:t>Murphi</a:t>
+            </a:r>
+            <a:r>
+              <a:rPr lang="en-US" dirty="0"/>
+              <a:t> works</a:t>
+            </a:r>
+          </a:p>
+          <a:p>
+            <a:r>
+              <a:rPr lang="en-US" dirty="0"/>
+              <a:t>Also see</a:t>
+            </a:r>
+          </a:p>
+          <a:p>
+            <a:pPr lvl="1"/>
+            <a:r>
+              <a:rPr lang="en-US" dirty="0">
+                <a:hlinkClick r:id="rId5"/>
+              </a:rPr>
+              <a:t>http://mclab.di.uniroma1.it/publications/papers/papers/Melatti2006.pdf</a:t>
+            </a:r>
+            <a:r>
+              <a:rPr lang="en-US" dirty="0"/>
+              <a:t> </a:t>
+            </a:r>
+          </a:p>
+          <a:p>
+            <a:pPr lvl="1"/>
+            <a:r>
+              <a:rPr lang="en-US" dirty="0"/>
+              <a:t>Let’s read its pseudo-code – Figure 1 – to know what </a:t>
+            </a:r>
+            <a:r>
+              <a:rPr lang="en-US" dirty="0" err="1"/>
+              <a:t>Murphi</a:t>
+            </a:r>
+            <a:r>
+              <a:rPr lang="en-US" dirty="0"/>
+              <a:t> does</a:t>
+            </a:r>
+          </a:p>
+          <a:p>
+            <a:r>
+              <a:rPr lang="en-US" dirty="0"/>
+              <a:t>SPIN does a whole lot more (nested DFS, LTL, …)</a:t>
+            </a:r>
+          </a:p>
+          <a:p>
+            <a:pPr lvl="1"/>
+            <a:r>
+              <a:rPr lang="en-US" dirty="0" err="1"/>
+              <a:t>Murphi</a:t>
+            </a:r>
+            <a:r>
+              <a:rPr lang="en-US" dirty="0"/>
+              <a:t> does only Safety</a:t>
+            </a:r>
+          </a:p>
+          <a:p>
+            <a:pPr lvl="1"/>
+            <a:r>
+              <a:rPr lang="en-US" dirty="0" err="1"/>
+              <a:t>Rumur</a:t>
+            </a:r>
+            <a:r>
+              <a:rPr lang="en-US" dirty="0"/>
+              <a:t> has some limited liveness (I’ve not investigated what subset)</a:t>
+            </a:r>
+          </a:p>
+          <a:p>
+            <a:r>
+              <a:rPr lang="en-US" dirty="0"/>
+              <a:t>Real-world</a:t>
+            </a:r>
+          </a:p>
+          <a:p>
+            <a:pPr lvl="1"/>
+            <a:r>
+              <a:rPr lang="en-US" dirty="0"/>
+              <a:t>Liveness is nice</a:t>
+            </a:r>
+          </a:p>
+          <a:p>
+            <a:pPr lvl="1"/>
+            <a:r>
+              <a:rPr lang="en-US" dirty="0"/>
+              <a:t>But when things get tough, dumb-down your expectations !!! </a:t>
+            </a:r>
+            <a:r>
+              <a:rPr lang="en-US" dirty="0">
+                <a:sym typeface="Wingdings" pitchFamily="2" charset="2"/>
+              </a:rPr>
+              <a:t> (told by </a:t>
+            </a:r>
+            <a:r>
+              <a:rPr lang="en-US" dirty="0" err="1">
+                <a:sym typeface="Wingdings" pitchFamily="2" charset="2"/>
+              </a:rPr>
+              <a:t>Shaz</a:t>
+            </a:r>
+            <a:r>
+              <a:rPr lang="en-US" dirty="0">
+                <a:sym typeface="Wingdings" pitchFamily="2" charset="2"/>
+              </a:rPr>
+              <a:t> Qadeer to me.. )</a:t>
+            </a:r>
+            <a:endParaRPr lang="en-US" dirty="0"/>
+          </a:p>
+          <a:p>
+            <a:endParaRPr lang="en-US" dirty="0"/>
+          </a:p>
+        </p:txBody>
+      </p:sp>
+      <p:sp>
+        <p:nvSpPr>
+          <p:cNvPr id="4" name="Slide Number Placeholder 3">
+            <a:extLst>
+              <a:ext uri="{FF2B5EF4-FFF2-40B4-BE49-F238E27FC236}">
+                <a16:creationId xmlns:a16="http://schemas.microsoft.com/office/drawing/2014/main" id="{28FCE84C-DF3B-E64B-A9AD-834651416724}"/>
+              </a:ext>
+            </a:extLst>
+          </p:cNvPr>
+          <p:cNvSpPr>
+            <a:spLocks noGrp="1"/>
+          </p:cNvSpPr>
+          <p:nvPr>
+            <p:ph type="sldNum" sz="quarter" idx="12"/>
+          </p:nvPr>
+        </p:nvSpPr>
+        <p:spPr/>
+        <p:txBody>
+          <a:bodyPr/>
+          <a:lstStyle/>
+          <a:p>
+            <a:fld id="{79825567-3CEF-414F-9B7D-82942F152A58}" type="slidenum">
+              <a:rPr lang="en-US" smtClean="0"/>
+              <a:t>9</a:t>
+            </a:fld>
+            <a:endParaRPr lang="en-US" dirty="0"/>
+          </a:p>
+        </p:txBody>
+      </p:sp>
+    </p:spTree>
+    <p:extLst>
+      <p:ext uri="{BB962C8B-B14F-4D97-AF65-F5344CB8AC3E}">
+        <p14:creationId xmlns:p14="http://schemas.microsoft.com/office/powerpoint/2010/main" val="1771948894"/>
       </p:ext>
     </p:extLst>
   </p:cSld>

--- a/Lec9/Lec9.pptx
+++ b/Lec9/Lec9.pptx
@@ -3801,7 +3801,7 @@
           </a:ln>
           <a:extLst>
             <a:ext uri="{C572A759-6A51-4108-AA02-DFA0A04FC94B}">
-              <ma14:wrappingTextBoxFlag xmlns:ma14="http://schemas.microsoft.com/office/mac/drawingml/2011/main" xmlns="" val="1"/>
+              <ma14:wrappingTextBoxFlag xmlns="" xmlns:ma14="http://schemas.microsoft.com/office/mac/drawingml/2011/main" val="1"/>
             </a:ext>
           </a:extLst>
         </p:spPr>
@@ -4952,8 +4952,36 @@
           <a:p>
             <a:pPr lvl="1"/>
             <a:r>
-              <a:rPr lang="en-US" dirty="0"/>
-              <a:t>We will collectively do the design</a:t>
+              <a:rPr lang="en-US" dirty="0">
+                <a:solidFill>
+                  <a:srgbClr val="FF0000"/>
+                </a:solidFill>
+              </a:rPr>
+              <a:t>We will collectively do the exploration of locking-</a:t>
+            </a:r>
+            <a:r>
+              <a:rPr lang="en-US" dirty="0" err="1">
+                <a:solidFill>
+                  <a:srgbClr val="FF0000"/>
+                </a:solidFill>
+              </a:rPr>
+              <a:t>buggy.pml</a:t>
+            </a:r>
+            <a:endParaRPr lang="en-US" dirty="0">
+              <a:solidFill>
+                <a:srgbClr val="FF0000"/>
+              </a:solidFill>
+            </a:endParaRPr>
+          </a:p>
+          <a:p>
+            <a:pPr lvl="2"/>
+            <a:r>
+              <a:rPr lang="en-US" dirty="0">
+                <a:solidFill>
+                  <a:srgbClr val="0432FF"/>
+                </a:solidFill>
+              </a:rPr>
+              <a:t>Hopefully you’ll then be able to fix the protocol (Asg3) with assurance</a:t>
             </a:r>
           </a:p>
           <a:p>

--- a/Lec9/Lec9.pptx
+++ b/Lec9/Lec9.pptx
@@ -5,10 +5,10 @@
     <p:sldMasterId id="2147483648" r:id="rId1"/>
   </p:sldMasterIdLst>
   <p:notesMasterIdLst>
-    <p:notesMasterId r:id="rId11"/>
+    <p:notesMasterId r:id="rId12"/>
   </p:notesMasterIdLst>
   <p:handoutMasterIdLst>
-    <p:handoutMasterId r:id="rId12"/>
+    <p:handoutMasterId r:id="rId13"/>
   </p:handoutMasterIdLst>
   <p:sldIdLst>
     <p:sldId id="414" r:id="rId2"/>
@@ -20,6 +20,7 @@
     <p:sldId id="917" r:id="rId8"/>
     <p:sldId id="918" r:id="rId9"/>
     <p:sldId id="919" r:id="rId10"/>
+    <p:sldId id="920" r:id="rId11"/>
   </p:sldIdLst>
   <p:sldSz cx="12192000" cy="6858000"/>
   <p:notesSz cx="6858000" cy="9144000"/>
@@ -665,6 +666,90 @@
     </a:lvl9pPr>
   </p:notesStyle>
 </p:notesMaster>
+</file>
+
+<file path=ppt/notesSlides/notesSlide1.xml><?xml version="1.0" encoding="utf-8"?>
+<p:notes xmlns:a="http://schemas.openxmlformats.org/drawingml/2006/main" xmlns:r="http://schemas.openxmlformats.org/officeDocument/2006/relationships" xmlns:p="http://schemas.openxmlformats.org/presentationml/2006/main">
+  <p:cSld>
+    <p:spTree>
+      <p:nvGrpSpPr>
+        <p:cNvPr id="1" name=""/>
+        <p:cNvGrpSpPr/>
+        <p:nvPr/>
+      </p:nvGrpSpPr>
+      <p:grpSpPr>
+        <a:xfrm>
+          <a:off x="0" y="0"/>
+          <a:ext cx="0" cy="0"/>
+          <a:chOff x="0" y="0"/>
+          <a:chExt cx="0" cy="0"/>
+        </a:xfrm>
+      </p:grpSpPr>
+      <p:sp>
+        <p:nvSpPr>
+          <p:cNvPr id="2" name="Slide Image Placeholder 1"/>
+          <p:cNvSpPr>
+            <a:spLocks noGrp="1" noRot="1" noChangeAspect="1"/>
+          </p:cNvSpPr>
+          <p:nvPr>
+            <p:ph type="sldImg"/>
+          </p:nvPr>
+        </p:nvSpPr>
+        <p:spPr/>
+      </p:sp>
+      <p:sp>
+        <p:nvSpPr>
+          <p:cNvPr id="3" name="Notes Placeholder 2"/>
+          <p:cNvSpPr>
+            <a:spLocks noGrp="1"/>
+          </p:cNvSpPr>
+          <p:nvPr>
+            <p:ph type="body" idx="1"/>
+          </p:nvPr>
+        </p:nvSpPr>
+        <p:spPr/>
+        <p:txBody>
+          <a:bodyPr/>
+          <a:lstStyle/>
+          <a:p>
+            <a:endParaRPr lang="en-US" dirty="0"/>
+          </a:p>
+        </p:txBody>
+      </p:sp>
+      <p:sp>
+        <p:nvSpPr>
+          <p:cNvPr id="4" name="Slide Number Placeholder 3"/>
+          <p:cNvSpPr>
+            <a:spLocks noGrp="1"/>
+          </p:cNvSpPr>
+          <p:nvPr>
+            <p:ph type="sldNum" sz="quarter" idx="5"/>
+          </p:nvPr>
+        </p:nvSpPr>
+        <p:spPr/>
+        <p:txBody>
+          <a:bodyPr/>
+          <a:lstStyle/>
+          <a:p>
+            <a:fld id="{A5379886-461D-DD47-9D0C-6C305824B494}" type="slidenum">
+              <a:rPr lang="en-US" smtClean="0"/>
+              <a:t>10</a:t>
+            </a:fld>
+            <a:endParaRPr lang="en-US"/>
+          </a:p>
+        </p:txBody>
+      </p:sp>
+    </p:spTree>
+    <p:extLst>
+      <p:ext uri="{BB962C8B-B14F-4D97-AF65-F5344CB8AC3E}">
+        <p14:creationId xmlns:p14="http://schemas.microsoft.com/office/powerpoint/2010/main" val="842043182"/>
+      </p:ext>
+    </p:extLst>
+  </p:cSld>
+  <p:clrMapOvr>
+    <a:masterClrMapping/>
+  </p:clrMapOvr>
+</p:notes>
 </file>
 
 <file path=ppt/slideLayouts/slideLayout1.xml><?xml version="1.0" encoding="utf-8"?>
@@ -3906,6 +3991,312 @@
       <p:transition/>
     </mc:Fallback>
   </mc:AlternateContent>
+</p:sld>
+</file>
+
+<file path=ppt/slides/slide10.xml><?xml version="1.0" encoding="utf-8"?>
+<p:sld xmlns:a="http://schemas.openxmlformats.org/drawingml/2006/main" xmlns:r="http://schemas.openxmlformats.org/officeDocument/2006/relationships" xmlns:p="http://schemas.openxmlformats.org/presentationml/2006/main">
+  <p:cSld>
+    <p:spTree>
+      <p:nvGrpSpPr>
+        <p:cNvPr id="1" name=""/>
+        <p:cNvGrpSpPr/>
+        <p:nvPr/>
+      </p:nvGrpSpPr>
+      <p:grpSpPr>
+        <a:xfrm>
+          <a:off x="0" y="0"/>
+          <a:ext cx="0" cy="0"/>
+          <a:chOff x="0" y="0"/>
+          <a:chExt cx="0" cy="0"/>
+        </a:xfrm>
+      </p:grpSpPr>
+      <p:sp>
+        <p:nvSpPr>
+          <p:cNvPr id="2" name="Title 1">
+            <a:extLst>
+              <a:ext uri="{FF2B5EF4-FFF2-40B4-BE49-F238E27FC236}">
+                <a16:creationId xmlns:a16="http://schemas.microsoft.com/office/drawing/2014/main" id="{5F0AA67D-7131-5148-9114-C2984902C98E}"/>
+              </a:ext>
+            </a:extLst>
+          </p:cNvPr>
+          <p:cNvSpPr>
+            <a:spLocks noGrp="1"/>
+          </p:cNvSpPr>
+          <p:nvPr>
+            <p:ph type="title"/>
+          </p:nvPr>
+        </p:nvSpPr>
+        <p:spPr/>
+        <p:txBody>
+          <a:bodyPr>
+            <a:normAutofit fontScale="90000"/>
+          </a:bodyPr>
+          <a:lstStyle/>
+          <a:p>
+            <a:r>
+              <a:rPr lang="en-US" dirty="0"/>
+              <a:t>Why </a:t>
+            </a:r>
+            <a:r>
+              <a:rPr lang="en-US" dirty="0" err="1"/>
+              <a:t>Murphi</a:t>
+            </a:r>
+            <a:r>
+              <a:rPr lang="en-US" dirty="0"/>
+              <a:t> is Liked? (my opinion)</a:t>
+            </a:r>
+          </a:p>
+        </p:txBody>
+      </p:sp>
+      <p:sp>
+        <p:nvSpPr>
+          <p:cNvPr id="3" name="Content Placeholder 2">
+            <a:extLst>
+              <a:ext uri="{FF2B5EF4-FFF2-40B4-BE49-F238E27FC236}">
+                <a16:creationId xmlns:a16="http://schemas.microsoft.com/office/drawing/2014/main" id="{A2101E50-87C3-AF43-BF15-B19D15CF087F}"/>
+              </a:ext>
+            </a:extLst>
+          </p:cNvPr>
+          <p:cNvSpPr>
+            <a:spLocks noGrp="1"/>
+          </p:cNvSpPr>
+          <p:nvPr>
+            <p:ph idx="1"/>
+          </p:nvPr>
+        </p:nvSpPr>
+        <p:spPr>
+          <a:xfrm>
+            <a:off x="838200" y="1230489"/>
+            <a:ext cx="10515600" cy="5490986"/>
+          </a:xfrm>
+        </p:spPr>
+        <p:txBody>
+          <a:bodyPr>
+            <a:normAutofit fontScale="70000" lnSpcReduction="20000"/>
+          </a:bodyPr>
+          <a:lstStyle/>
+          <a:p>
+            <a:r>
+              <a:rPr lang="en-US" dirty="0"/>
+              <a:t>A simple intuitive notation</a:t>
+            </a:r>
+          </a:p>
+          <a:p>
+            <a:pPr lvl="1"/>
+            <a:r>
+              <a:rPr lang="en-US" dirty="0"/>
+              <a:t>Implementation is “clean” and traceable all the way</a:t>
+            </a:r>
+          </a:p>
+          <a:p>
+            <a:r>
+              <a:rPr lang="en-US" dirty="0"/>
+              <a:t>Supports procedures and functions</a:t>
+            </a:r>
+          </a:p>
+          <a:p>
+            <a:pPr lvl="1"/>
+            <a:r>
+              <a:rPr lang="en-US" dirty="0"/>
+              <a:t>No big-deal but very handy</a:t>
+            </a:r>
+          </a:p>
+          <a:p>
+            <a:r>
+              <a:rPr lang="en-US" dirty="0"/>
+              <a:t>Symmetry reduction</a:t>
+            </a:r>
+          </a:p>
+          <a:p>
+            <a:pPr lvl="1"/>
+            <a:r>
+              <a:rPr lang="en-US" dirty="0"/>
+              <a:t>Very handy for systems with many identical CPUs, memory locations, etc.</a:t>
+            </a:r>
+          </a:p>
+          <a:p>
+            <a:pPr lvl="2"/>
+            <a:r>
+              <a:rPr lang="en-US" dirty="0"/>
+              <a:t>Symmetry PLUS Liveness is doable but much harder</a:t>
+            </a:r>
+          </a:p>
+          <a:p>
+            <a:r>
+              <a:rPr lang="en-US" dirty="0"/>
+              <a:t>Ruleset notation</a:t>
+            </a:r>
+          </a:p>
+          <a:p>
+            <a:pPr lvl="1"/>
+            <a:r>
+              <a:rPr lang="en-US" dirty="0"/>
+              <a:t>Very handy in practice</a:t>
+            </a:r>
+          </a:p>
+          <a:p>
+            <a:r>
+              <a:rPr lang="en-US" dirty="0"/>
+              <a:t>Good target for code-generation</a:t>
+            </a:r>
+          </a:p>
+          <a:p>
+            <a:pPr lvl="1"/>
+            <a:r>
+              <a:rPr lang="en-US" dirty="0"/>
+              <a:t>As is being done in Nagarajan’s group (Edinburgh – cited in earlier slides)</a:t>
+            </a:r>
+          </a:p>
+          <a:p>
+            <a:r>
+              <a:rPr lang="en-US" dirty="0"/>
+              <a:t>Can implement symbolic methods, parallelization, etc., on-top</a:t>
+            </a:r>
+          </a:p>
+          <a:p>
+            <a:pPr lvl="1"/>
+            <a:r>
+              <a:rPr lang="en-US" dirty="0"/>
+              <a:t>We had done </a:t>
+            </a:r>
+            <a:r>
+              <a:rPr lang="en-US" dirty="0" err="1"/>
+              <a:t>POeM</a:t>
+            </a:r>
+            <a:r>
+              <a:rPr lang="en-US" dirty="0"/>
+              <a:t> – partial-order enabled </a:t>
+            </a:r>
+            <a:r>
+              <a:rPr lang="en-US" dirty="0" err="1"/>
+              <a:t>Murphi</a:t>
+            </a:r>
+            <a:endParaRPr lang="en-US" dirty="0"/>
+          </a:p>
+          <a:p>
+            <a:pPr lvl="1"/>
+            <a:r>
+              <a:rPr lang="en-US" dirty="0"/>
+              <a:t>The industry has done many parallel implementations</a:t>
+            </a:r>
+          </a:p>
+          <a:p>
+            <a:pPr lvl="1"/>
+            <a:r>
+              <a:rPr lang="en-US" dirty="0"/>
+              <a:t>We are trying a new one as we speak</a:t>
+            </a:r>
+          </a:p>
+          <a:p>
+            <a:r>
+              <a:rPr lang="en-US" dirty="0" err="1"/>
+              <a:t>Murphi</a:t>
+            </a:r>
+            <a:r>
+              <a:rPr lang="en-US" dirty="0"/>
+              <a:t> often used for low-level protocols</a:t>
+            </a:r>
+          </a:p>
+          <a:p>
+            <a:r>
+              <a:rPr lang="en-US" dirty="0"/>
+              <a:t>There is a TON of security protocols coded up in </a:t>
+            </a:r>
+            <a:r>
+              <a:rPr lang="en-US" dirty="0" err="1"/>
+              <a:t>Murphi</a:t>
+            </a:r>
+            <a:endParaRPr lang="en-US" dirty="0"/>
+          </a:p>
+          <a:p>
+            <a:pPr lvl="1"/>
+            <a:r>
+              <a:rPr lang="en-US" dirty="0"/>
+              <a:t>A treasure !!!</a:t>
+            </a:r>
+          </a:p>
+          <a:p>
+            <a:pPr lvl="1"/>
+            <a:r>
+              <a:rPr lang="en-US" b="1" dirty="0">
+                <a:solidFill>
+                  <a:srgbClr val="0432FF"/>
+                </a:solidFill>
+              </a:rPr>
+              <a:t>See </a:t>
+            </a:r>
+            <a:r>
+              <a:rPr lang="en-US" b="1" dirty="0" err="1">
+                <a:solidFill>
+                  <a:srgbClr val="0432FF"/>
+                </a:solidFill>
+              </a:rPr>
+              <a:t>bit.ly</a:t>
+            </a:r>
+            <a:r>
+              <a:rPr lang="en-US" b="1" dirty="0">
+                <a:solidFill>
+                  <a:srgbClr val="0432FF"/>
+                </a:solidFill>
+              </a:rPr>
+              <a:t>/</a:t>
+            </a:r>
+            <a:r>
+              <a:rPr lang="en-US" b="1" dirty="0" err="1">
+                <a:solidFill>
+                  <a:srgbClr val="0432FF"/>
+                </a:solidFill>
+              </a:rPr>
+              <a:t>MurphiModels</a:t>
+            </a:r>
+            <a:endParaRPr lang="en-US" b="1" dirty="0">
+              <a:solidFill>
+                <a:srgbClr val="0432FF"/>
+              </a:solidFill>
+            </a:endParaRPr>
+          </a:p>
+        </p:txBody>
+      </p:sp>
+      <p:sp>
+        <p:nvSpPr>
+          <p:cNvPr id="4" name="Slide Number Placeholder 3">
+            <a:extLst>
+              <a:ext uri="{FF2B5EF4-FFF2-40B4-BE49-F238E27FC236}">
+                <a16:creationId xmlns:a16="http://schemas.microsoft.com/office/drawing/2014/main" id="{28FCE84C-DF3B-E64B-A9AD-834651416724}"/>
+              </a:ext>
+            </a:extLst>
+          </p:cNvPr>
+          <p:cNvSpPr>
+            <a:spLocks noGrp="1"/>
+          </p:cNvSpPr>
+          <p:nvPr>
+            <p:ph type="sldNum" sz="quarter" idx="12"/>
+          </p:nvPr>
+        </p:nvSpPr>
+        <p:spPr/>
+        <p:txBody>
+          <a:bodyPr/>
+          <a:lstStyle/>
+          <a:p>
+            <a:fld id="{79825567-3CEF-414F-9B7D-82942F152A58}" type="slidenum">
+              <a:rPr lang="en-US" smtClean="0"/>
+              <a:t>10</a:t>
+            </a:fld>
+            <a:endParaRPr lang="en-US" dirty="0"/>
+          </a:p>
+        </p:txBody>
+      </p:sp>
+    </p:spTree>
+    <p:extLst>
+      <p:ext uri="{BB962C8B-B14F-4D97-AF65-F5344CB8AC3E}">
+        <p14:creationId xmlns:p14="http://schemas.microsoft.com/office/powerpoint/2010/main" val="3502531824"/>
+      </p:ext>
+    </p:extLst>
+  </p:cSld>
+  <p:clrMapOvr>
+    <a:masterClrMapping/>
+  </p:clrMapOvr>
 </p:sld>
 </file>
 
